--- a/single_feature_linear_regression.pptx
+++ b/single_feature_linear_regression.pptx
@@ -336,7 +336,7 @@
             <a:fld id="{B61BEF0D-F0BB-DE4B-95CE-6DB70DBA9567}" type="datetimeFigureOut">
               <a:rPr lang="en-US" dirty="0"/>
               <a:pPr/>
-              <a:t>2/8/2021</a:t>
+              <a:t>2/9/2021</a:t>
             </a:fld>
             <a:endParaRPr lang="en-US" dirty="0"/>
           </a:p>
@@ -624,7 +624,7 @@
             <a:fld id="{B61BEF0D-F0BB-DE4B-95CE-6DB70DBA9567}" type="datetimeFigureOut">
               <a:rPr lang="en-US" dirty="0"/>
               <a:pPr/>
-              <a:t>2/8/2021</a:t>
+              <a:t>2/9/2021</a:t>
             </a:fld>
             <a:endParaRPr lang="en-US" dirty="0"/>
           </a:p>
@@ -880,7 +880,7 @@
             <a:fld id="{B61BEF0D-F0BB-DE4B-95CE-6DB70DBA9567}" type="datetimeFigureOut">
               <a:rPr lang="en-US" dirty="0"/>
               <a:pPr/>
-              <a:t>2/8/2021</a:t>
+              <a:t>2/9/2021</a:t>
             </a:fld>
             <a:endParaRPr lang="en-US" dirty="0"/>
           </a:p>
@@ -1346,7 +1346,7 @@
             <a:fld id="{B61BEF0D-F0BB-DE4B-95CE-6DB70DBA9567}" type="datetimeFigureOut">
               <a:rPr lang="en-US" dirty="0"/>
               <a:pPr/>
-              <a:t>2/8/2021</a:t>
+              <a:t>2/9/2021</a:t>
             </a:fld>
             <a:endParaRPr lang="en-US" dirty="0"/>
           </a:p>
@@ -1523,7 +1523,7 @@
             <a:fld id="{B61BEF0D-F0BB-DE4B-95CE-6DB70DBA9567}" type="datetimeFigureOut">
               <a:rPr lang="en-US" dirty="0"/>
               <a:pPr/>
-              <a:t>2/8/2021</a:t>
+              <a:t>2/9/2021</a:t>
             </a:fld>
             <a:endParaRPr lang="en-US" dirty="0"/>
           </a:p>
@@ -2096,7 +2096,7 @@
             <a:fld id="{B61BEF0D-F0BB-DE4B-95CE-6DB70DBA9567}" type="datetimeFigureOut">
               <a:rPr lang="en-US" dirty="0"/>
               <a:pPr/>
-              <a:t>2/8/2021</a:t>
+              <a:t>2/9/2021</a:t>
             </a:fld>
             <a:endParaRPr lang="en-US" dirty="0"/>
           </a:p>
@@ -2425,7 +2425,7 @@
             <a:fld id="{B61BEF0D-F0BB-DE4B-95CE-6DB70DBA9567}" type="datetimeFigureOut">
               <a:rPr lang="en-US" dirty="0"/>
               <a:pPr/>
-              <a:t>2/8/2021</a:t>
+              <a:t>2/9/2021</a:t>
             </a:fld>
             <a:endParaRPr lang="en-US" dirty="0"/>
           </a:p>
@@ -2597,7 +2597,7 @@
             <a:fld id="{B61BEF0D-F0BB-DE4B-95CE-6DB70DBA9567}" type="datetimeFigureOut">
               <a:rPr lang="en-US" dirty="0"/>
               <a:pPr/>
-              <a:t>2/8/2021</a:t>
+              <a:t>2/9/2021</a:t>
             </a:fld>
             <a:endParaRPr lang="en-US" dirty="0"/>
           </a:p>
@@ -2774,7 +2774,7 @@
             <a:fld id="{B61BEF0D-F0BB-DE4B-95CE-6DB70DBA9567}" type="datetimeFigureOut">
               <a:rPr lang="en-US" dirty="0"/>
               <a:pPr/>
-              <a:t>2/8/2021</a:t>
+              <a:t>2/9/2021</a:t>
             </a:fld>
             <a:endParaRPr lang="en-US" dirty="0"/>
           </a:p>
@@ -2941,7 +2941,7 @@
             <a:fld id="{B61BEF0D-F0BB-DE4B-95CE-6DB70DBA9567}" type="datetimeFigureOut">
               <a:rPr lang="en-US" dirty="0"/>
               <a:pPr/>
-              <a:t>2/8/2021</a:t>
+              <a:t>2/9/2021</a:t>
             </a:fld>
             <a:endParaRPr lang="en-US" dirty="0"/>
           </a:p>
@@ -3195,7 +3195,7 @@
             <a:fld id="{B61BEF0D-F0BB-DE4B-95CE-6DB70DBA9567}" type="datetimeFigureOut">
               <a:rPr lang="en-US" dirty="0"/>
               <a:pPr/>
-              <a:t>2/8/2021</a:t>
+              <a:t>2/9/2021</a:t>
             </a:fld>
             <a:endParaRPr lang="en-US" dirty="0"/>
           </a:p>
@@ -3484,7 +3484,7 @@
             <a:fld id="{B61BEF0D-F0BB-DE4B-95CE-6DB70DBA9567}" type="datetimeFigureOut">
               <a:rPr lang="en-US" dirty="0"/>
               <a:pPr/>
-              <a:t>2/8/2021</a:t>
+              <a:t>2/9/2021</a:t>
             </a:fld>
             <a:endParaRPr lang="en-US" dirty="0"/>
           </a:p>
@@ -3911,7 +3911,7 @@
             <a:fld id="{B61BEF0D-F0BB-DE4B-95CE-6DB70DBA9567}" type="datetimeFigureOut">
               <a:rPr lang="en-US" dirty="0"/>
               <a:pPr/>
-              <a:t>2/8/2021</a:t>
+              <a:t>2/9/2021</a:t>
             </a:fld>
             <a:endParaRPr lang="en-US" dirty="0"/>
           </a:p>
@@ -4026,7 +4026,7 @@
             <a:fld id="{B61BEF0D-F0BB-DE4B-95CE-6DB70DBA9567}" type="datetimeFigureOut">
               <a:rPr lang="en-US" dirty="0"/>
               <a:pPr/>
-              <a:t>2/8/2021</a:t>
+              <a:t>2/9/2021</a:t>
             </a:fld>
             <a:endParaRPr lang="en-US" dirty="0"/>
           </a:p>
@@ -4118,7 +4118,7 @@
             <a:fld id="{B61BEF0D-F0BB-DE4B-95CE-6DB70DBA9567}" type="datetimeFigureOut">
               <a:rPr lang="en-US" dirty="0"/>
               <a:pPr/>
-              <a:t>2/8/2021</a:t>
+              <a:t>2/9/2021</a:t>
             </a:fld>
             <a:endParaRPr lang="en-US" dirty="0"/>
           </a:p>
@@ -4398,7 +4398,7 @@
             <a:fld id="{B61BEF0D-F0BB-DE4B-95CE-6DB70DBA9567}" type="datetimeFigureOut">
               <a:rPr lang="en-US" dirty="0"/>
               <a:pPr/>
-              <a:t>2/8/2021</a:t>
+              <a:t>2/9/2021</a:t>
             </a:fld>
             <a:endParaRPr lang="en-US" dirty="0"/>
           </a:p>
@@ -4686,7 +4686,7 @@
             <a:fld id="{B61BEF0D-F0BB-DE4B-95CE-6DB70DBA9567}" type="datetimeFigureOut">
               <a:rPr lang="en-US" dirty="0"/>
               <a:pPr/>
-              <a:t>2/8/2021</a:t>
+              <a:t>2/9/2021</a:t>
             </a:fld>
             <a:endParaRPr lang="en-US" dirty="0"/>
           </a:p>
@@ -4914,7 +4914,7 @@
             <a:fld id="{B61BEF0D-F0BB-DE4B-95CE-6DB70DBA9567}" type="datetimeFigureOut">
               <a:rPr lang="en-US" dirty="0"/>
               <a:pPr/>
-              <a:t>2/8/2021</a:t>
+              <a:t>2/9/2021</a:t>
             </a:fld>
             <a:endParaRPr lang="en-US" dirty="0"/>
           </a:p>
@@ -14554,6 +14554,204 @@
           </mc:AlternateContent>
         </p:grpSp>
       </p:grpSp>
+      <mc:AlternateContent xmlns:mc="http://schemas.openxmlformats.org/markup-compatibility/2006">
+        <mc:Choice xmlns:a14="http://schemas.microsoft.com/office/drawing/2010/main" Requires="a14">
+          <p:sp>
+            <p:nvSpPr>
+              <p:cNvPr id="2" name="矩形 1">
+                <a:extLst>
+                  <a:ext uri="{FF2B5EF4-FFF2-40B4-BE49-F238E27FC236}">
+                    <a16:creationId xmlns:a16="http://schemas.microsoft.com/office/drawing/2014/main" id="{188ED749-4561-4312-B785-75CAACCD64FE}"/>
+                  </a:ext>
+                </a:extLst>
+              </p:cNvPr>
+              <p:cNvSpPr/>
+              <p:nvPr/>
+            </p:nvSpPr>
+            <p:spPr>
+              <a:xfrm>
+                <a:off x="4912461" y="4569795"/>
+                <a:ext cx="1981183" cy="369332"/>
+              </a:xfrm>
+              <a:prstGeom prst="rect">
+                <a:avLst/>
+              </a:prstGeom>
+            </p:spPr>
+            <p:txBody>
+              <a:bodyPr wrap="none">
+                <a:spAutoFit/>
+              </a:bodyPr>
+              <a:lstStyle/>
+              <a:p>
+                <a14:m>
+                  <m:oMathPara xmlns:m="http://schemas.openxmlformats.org/officeDocument/2006/math">
+                    <m:oMathParaPr>
+                      <m:jc m:val="centerGroup"/>
+                    </m:oMathParaPr>
+                    <m:oMath xmlns:m="http://schemas.openxmlformats.org/officeDocument/2006/math">
+                      <m:sSub>
+                        <m:sSubPr>
+                          <m:ctrlPr>
+                            <a:rPr lang="zh-TW" altLang="en-US">
+                              <a:latin typeface="Cambria Math" panose="02040503050406030204" pitchFamily="18" charset="0"/>
+                            </a:rPr>
+                          </m:ctrlPr>
+                        </m:sSubPr>
+                        <m:e>
+                          <m:r>
+                            <a:rPr lang="zh-TW" altLang="en-US" i="1">
+                              <a:latin typeface="Cambria Math" panose="02040503050406030204" pitchFamily="18" charset="0"/>
+                            </a:rPr>
+                            <m:t>h</m:t>
+                          </m:r>
+                        </m:e>
+                        <m:sub>
+                          <m:r>
+                            <a:rPr lang="zh-TW" altLang="en-US" i="1">
+                              <a:latin typeface="Cambria Math" panose="02040503050406030204" pitchFamily="18" charset="0"/>
+                            </a:rPr>
+                            <m:t>𝜃</m:t>
+                          </m:r>
+                        </m:sub>
+                      </m:sSub>
+                      <m:d>
+                        <m:dPr>
+                          <m:ctrlPr>
+                            <a:rPr lang="zh-TW" altLang="en-US" i="1">
+                              <a:latin typeface="Cambria Math" panose="02040503050406030204" pitchFamily="18" charset="0"/>
+                            </a:rPr>
+                          </m:ctrlPr>
+                        </m:dPr>
+                        <m:e>
+                          <m:r>
+                            <a:rPr lang="zh-TW" altLang="en-US" i="1">
+                              <a:latin typeface="Cambria Math" panose="02040503050406030204" pitchFamily="18" charset="0"/>
+                            </a:rPr>
+                            <m:t>𝑥</m:t>
+                          </m:r>
+                        </m:e>
+                      </m:d>
+                      <m:r>
+                        <a:rPr lang="zh-TW" altLang="en-US" i="0">
+                          <a:latin typeface="Cambria Math" panose="02040503050406030204" pitchFamily="18" charset="0"/>
+                        </a:rPr>
+                        <m:t>=</m:t>
+                      </m:r>
+                      <m:sSub>
+                        <m:sSubPr>
+                          <m:ctrlPr>
+                            <a:rPr lang="zh-TW" altLang="en-US" i="1">
+                              <a:latin typeface="Cambria Math" panose="02040503050406030204" pitchFamily="18" charset="0"/>
+                            </a:rPr>
+                          </m:ctrlPr>
+                        </m:sSubPr>
+                        <m:e>
+                          <m:r>
+                            <a:rPr lang="zh-TW" altLang="en-US" i="1">
+                              <a:latin typeface="Cambria Math" panose="02040503050406030204" pitchFamily="18" charset="0"/>
+                            </a:rPr>
+                            <m:t>𝜃</m:t>
+                          </m:r>
+                        </m:e>
+                        <m:sub>
+                          <m:r>
+                            <a:rPr lang="zh-TW" altLang="en-US" i="0">
+                              <a:latin typeface="Cambria Math" panose="02040503050406030204" pitchFamily="18" charset="0"/>
+                            </a:rPr>
+                            <m:t>0</m:t>
+                          </m:r>
+                        </m:sub>
+                      </m:sSub>
+                      <m:r>
+                        <a:rPr lang="zh-TW" altLang="en-US" i="0">
+                          <a:latin typeface="Cambria Math" panose="02040503050406030204" pitchFamily="18" charset="0"/>
+                        </a:rPr>
+                        <m:t>+</m:t>
+                      </m:r>
+                      <m:sSub>
+                        <m:sSubPr>
+                          <m:ctrlPr>
+                            <a:rPr lang="zh-TW" altLang="en-US" i="1">
+                              <a:latin typeface="Cambria Math" panose="02040503050406030204" pitchFamily="18" charset="0"/>
+                            </a:rPr>
+                          </m:ctrlPr>
+                        </m:sSubPr>
+                        <m:e>
+                          <m:r>
+                            <a:rPr lang="zh-TW" altLang="en-US" i="1">
+                              <a:latin typeface="Cambria Math" panose="02040503050406030204" pitchFamily="18" charset="0"/>
+                            </a:rPr>
+                            <m:t>𝜃</m:t>
+                          </m:r>
+                        </m:e>
+                        <m:sub>
+                          <m:r>
+                            <a:rPr lang="zh-TW" altLang="en-US" i="0">
+                              <a:latin typeface="Cambria Math" panose="02040503050406030204" pitchFamily="18" charset="0"/>
+                            </a:rPr>
+                            <m:t>1</m:t>
+                          </m:r>
+                        </m:sub>
+                      </m:sSub>
+                      <m:r>
+                        <a:rPr lang="zh-TW" altLang="en-US" i="1">
+                          <a:latin typeface="Cambria Math" panose="02040503050406030204" pitchFamily="18" charset="0"/>
+                        </a:rPr>
+                        <m:t>𝑥</m:t>
+                      </m:r>
+                    </m:oMath>
+                  </m:oMathPara>
+                </a14:m>
+                <a:endParaRPr lang="zh-TW" altLang="en-US" dirty="0"/>
+              </a:p>
+            </p:txBody>
+          </p:sp>
+        </mc:Choice>
+        <mc:Fallback>
+          <p:sp>
+            <p:nvSpPr>
+              <p:cNvPr id="2" name="矩形 1">
+                <a:extLst>
+                  <a:ext uri="{FF2B5EF4-FFF2-40B4-BE49-F238E27FC236}">
+                    <a16:creationId xmlns:a16="http://schemas.microsoft.com/office/drawing/2014/main" id="{188ED749-4561-4312-B785-75CAACCD64FE}"/>
+                  </a:ext>
+                </a:extLst>
+              </p:cNvPr>
+              <p:cNvSpPr>
+                <a:spLocks noRot="1" noChangeAspect="1" noMove="1" noResize="1" noEditPoints="1" noAdjustHandles="1" noChangeArrowheads="1" noChangeShapeType="1" noTextEdit="1"/>
+              </p:cNvSpPr>
+              <p:nvPr/>
+            </p:nvSpPr>
+            <p:spPr>
+              <a:xfrm>
+                <a:off x="4912461" y="4569795"/>
+                <a:ext cx="1981183" cy="369332"/>
+              </a:xfrm>
+              <a:prstGeom prst="rect">
+                <a:avLst/>
+              </a:prstGeom>
+              <a:blipFill>
+                <a:blip r:embed="rId5"/>
+                <a:stretch>
+                  <a:fillRect b="-5000"/>
+                </a:stretch>
+              </a:blipFill>
+            </p:spPr>
+            <p:txBody>
+              <a:bodyPr/>
+              <a:lstStyle/>
+              <a:p>
+                <a:r>
+                  <a:rPr lang="zh-TW" altLang="en-US">
+                    <a:noFill/>
+                  </a:rPr>
+                  <a:t> </a:t>
+                </a:r>
+              </a:p>
+            </p:txBody>
+          </p:sp>
+        </mc:Fallback>
+      </mc:AlternateContent>
     </p:spTree>
     <p:extLst>
       <p:ext uri="{BB962C8B-B14F-4D97-AF65-F5344CB8AC3E}">
